--- a/test.pptx
+++ b/test.pptx
@@ -2980,7 +2980,7 @@
           <a:lstStyle/>
           <a:p>
             <a:r>
-              <a:t>Hello world!</a:t>
+              <a:t>Hello World!</a:t>
             </a:r>
             <a:endParaRPr lang="en-US" dirty="0"/>
           </a:p>
@@ -3005,8 +3005,9 @@
               <a:buNone/>
             </a:pPr>
             <a:r>
-              <a:t>This is some real content</a:t>
-            </a:r>
+              <a:t>real time typing!!!</a:t>
+            </a:r>
+            <a:br/>
             <a:endParaRPr lang="en-US" dirty="0"/>
           </a:p>
         </p:txBody>

--- a/test.pptx
+++ b/test.pptx
@@ -3005,9 +3005,8 @@
               <a:buNone/>
             </a:pPr>
             <a:r>
-              <a:t>real time typing!!!</a:t>
-            </a:r>
-            <a:br/>
+              <a:t>Hello, this is real real time typing</a:t>
+            </a:r>
             <a:endParaRPr lang="en-US" dirty="0"/>
           </a:p>
         </p:txBody>
